--- a/assets/Network/02_두 번째/최종 결과 보고서.pptx
+++ b/assets/Network/02_두 번째/최종 결과 보고서.pptx
@@ -154,7 +154,7 @@
   </p:defaultTextStyle>
   <p:extLst>
     <p:ext uri="{EFAFB233-063F-42B5-8137-9DF3F51BA10A}">
-      <p15:sldGuideLst xmlns:p15="http://schemas.microsoft.com/office/powerpoint/2012/main" xmlns=""/>
+      <p15:sldGuideLst xmlns="" xmlns:p15="http://schemas.microsoft.com/office/powerpoint/2012/main"/>
     </p:ext>
   </p:extLst>
 </p:presentation>
@@ -242,7 +242,8 @@
           <a:p>
             <a:fld id="{12701AC5-CC58-451F-BFA8-3F391DBA4785}" type="datetimeFigureOut">
               <a:rPr lang="ko-KR" altLang="en-US" smtClean="0"/>
-              <a:t>2014-10-11</a:t>
+              <a:pPr/>
+              <a:t>2021-02-22</a:t>
             </a:fld>
             <a:endParaRPr lang="ko-KR" altLang="en-US"/>
           </a:p>
@@ -403,6 +404,7 @@
           <a:p>
             <a:fld id="{B66EC48E-59B3-4F8F-BF86-ABE141B96A5E}" type="slidenum">
               <a:rPr lang="ko-KR" altLang="en-US" smtClean="0"/>
+              <a:pPr/>
               <a:t>‹#›</a:t>
             </a:fld>
             <a:endParaRPr lang="ko-KR" altLang="en-US"/>
@@ -582,7 +584,7 @@
     </p:spTree>
     <p:extLst>
       <p:ext uri="{BB962C8B-B14F-4D97-AF65-F5344CB8AC3E}">
-        <p14:creationId xmlns="" xmlns:p14="http://schemas.microsoft.com/office/powerpoint/2010/main" val="1280410942"/>
+        <p14:creationId xmlns:p14="http://schemas.microsoft.com/office/powerpoint/2010/main" xmlns="" val="1280410942"/>
       </p:ext>
     </p:extLst>
   </p:cSld>
@@ -790,7 +792,7 @@
             <a:fld id="{D21FD3AB-38A8-4460-927B-A9DFA16A39FA}" type="datetimeFigureOut">
               <a:rPr lang="ko-KR" altLang="en-US" smtClean="0"/>
               <a:pPr/>
-              <a:t>2014-10-11</a:t>
+              <a:t>2021-02-22</a:t>
             </a:fld>
             <a:endParaRPr lang="ko-KR" altLang="en-US"/>
           </a:p>
@@ -893,7 +895,7 @@
     </p:spTree>
     <p:extLst>
       <p:ext uri="{BB962C8B-B14F-4D97-AF65-F5344CB8AC3E}">
-        <p14:creationId xmlns:p14="http://schemas.microsoft.com/office/powerpoint/2010/main" xmlns="" val="1469935621"/>
+        <p14:creationId xmlns="" xmlns:p14="http://schemas.microsoft.com/office/powerpoint/2010/main" val="1469935621"/>
       </p:ext>
     </p:extLst>
   </p:cSld>
@@ -1020,7 +1022,7 @@
             <a:fld id="{D21FD3AB-38A8-4460-927B-A9DFA16A39FA}" type="datetimeFigureOut">
               <a:rPr lang="ko-KR" altLang="en-US" smtClean="0"/>
               <a:pPr/>
-              <a:t>2014-10-11</a:t>
+              <a:t>2021-02-22</a:t>
             </a:fld>
             <a:endParaRPr lang="ko-KR" altLang="en-US"/>
           </a:p>
@@ -1072,7 +1074,7 @@
     </p:spTree>
     <p:extLst>
       <p:ext uri="{BB962C8B-B14F-4D97-AF65-F5344CB8AC3E}">
-        <p14:creationId xmlns:p14="http://schemas.microsoft.com/office/powerpoint/2010/main" xmlns="" val="1072812806"/>
+        <p14:creationId xmlns="" xmlns:p14="http://schemas.microsoft.com/office/powerpoint/2010/main" val="1072812806"/>
       </p:ext>
     </p:extLst>
   </p:cSld>
@@ -1202,7 +1204,7 @@
             <a:fld id="{D21FD3AB-38A8-4460-927B-A9DFA16A39FA}" type="datetimeFigureOut">
               <a:rPr lang="ko-KR" altLang="en-US" smtClean="0"/>
               <a:pPr/>
-              <a:t>2014-10-11</a:t>
+              <a:t>2021-02-22</a:t>
             </a:fld>
             <a:endParaRPr lang="ko-KR" altLang="en-US"/>
           </a:p>
@@ -1254,7 +1256,7 @@
     </p:spTree>
     <p:extLst>
       <p:ext uri="{BB962C8B-B14F-4D97-AF65-F5344CB8AC3E}">
-        <p14:creationId xmlns:p14="http://schemas.microsoft.com/office/powerpoint/2010/main" xmlns="" val="723665036"/>
+        <p14:creationId xmlns="" xmlns:p14="http://schemas.microsoft.com/office/powerpoint/2010/main" val="723665036"/>
       </p:ext>
     </p:extLst>
   </p:cSld>
@@ -1435,7 +1437,7 @@
             <a:fld id="{D21FD3AB-38A8-4460-927B-A9DFA16A39FA}" type="datetimeFigureOut">
               <a:rPr lang="ko-KR" altLang="en-US" smtClean="0"/>
               <a:pPr/>
-              <a:t>2014-10-11</a:t>
+              <a:t>2021-02-22</a:t>
             </a:fld>
             <a:endParaRPr lang="ko-KR" altLang="en-US"/>
           </a:p>
@@ -1487,7 +1489,7 @@
     </p:spTree>
     <p:extLst>
       <p:ext uri="{BB962C8B-B14F-4D97-AF65-F5344CB8AC3E}">
-        <p14:creationId xmlns:p14="http://schemas.microsoft.com/office/powerpoint/2010/main" xmlns="" val="2007770543"/>
+        <p14:creationId xmlns="" xmlns:p14="http://schemas.microsoft.com/office/powerpoint/2010/main" val="2007770543"/>
       </p:ext>
     </p:extLst>
   </p:cSld>
@@ -1695,7 +1697,7 @@
             <a:fld id="{D21FD3AB-38A8-4460-927B-A9DFA16A39FA}" type="datetimeFigureOut">
               <a:rPr lang="ko-KR" altLang="en-US" smtClean="0"/>
               <a:pPr/>
-              <a:t>2014-10-11</a:t>
+              <a:t>2021-02-22</a:t>
             </a:fld>
             <a:endParaRPr lang="ko-KR" altLang="en-US"/>
           </a:p>
@@ -1782,7 +1784,7 @@
     </p:spTree>
     <p:extLst>
       <p:ext uri="{BB962C8B-B14F-4D97-AF65-F5344CB8AC3E}">
-        <p14:creationId xmlns:p14="http://schemas.microsoft.com/office/powerpoint/2010/main" xmlns="" val="2242931390"/>
+        <p14:creationId xmlns="" xmlns:p14="http://schemas.microsoft.com/office/powerpoint/2010/main" val="2242931390"/>
       </p:ext>
     </p:extLst>
   </p:cSld>
@@ -2020,7 +2022,7 @@
             <a:fld id="{D21FD3AB-38A8-4460-927B-A9DFA16A39FA}" type="datetimeFigureOut">
               <a:rPr lang="ko-KR" altLang="en-US" smtClean="0"/>
               <a:pPr/>
-              <a:t>2014-10-11</a:t>
+              <a:t>2021-02-22</a:t>
             </a:fld>
             <a:endParaRPr lang="ko-KR" altLang="en-US"/>
           </a:p>
@@ -2072,7 +2074,7 @@
     </p:spTree>
     <p:extLst>
       <p:ext uri="{BB962C8B-B14F-4D97-AF65-F5344CB8AC3E}">
-        <p14:creationId xmlns:p14="http://schemas.microsoft.com/office/powerpoint/2010/main" xmlns="" val="3089073674"/>
+        <p14:creationId xmlns="" xmlns:p14="http://schemas.microsoft.com/office/powerpoint/2010/main" val="3089073674"/>
       </p:ext>
     </p:extLst>
   </p:cSld>
@@ -2446,7 +2448,7 @@
             <a:fld id="{D21FD3AB-38A8-4460-927B-A9DFA16A39FA}" type="datetimeFigureOut">
               <a:rPr lang="ko-KR" altLang="en-US" smtClean="0"/>
               <a:pPr/>
-              <a:t>2014-10-11</a:t>
+              <a:t>2021-02-22</a:t>
             </a:fld>
             <a:endParaRPr lang="ko-KR" altLang="en-US"/>
           </a:p>
@@ -2498,7 +2500,7 @@
     </p:spTree>
     <p:extLst>
       <p:ext uri="{BB962C8B-B14F-4D97-AF65-F5344CB8AC3E}">
-        <p14:creationId xmlns:p14="http://schemas.microsoft.com/office/powerpoint/2010/main" xmlns="" val="3398993619"/>
+        <p14:creationId xmlns="" xmlns:p14="http://schemas.microsoft.com/office/powerpoint/2010/main" val="3398993619"/>
       </p:ext>
     </p:extLst>
   </p:cSld>
@@ -2566,7 +2568,7 @@
             <a:fld id="{D21FD3AB-38A8-4460-927B-A9DFA16A39FA}" type="datetimeFigureOut">
               <a:rPr lang="ko-KR" altLang="en-US" smtClean="0"/>
               <a:pPr/>
-              <a:t>2014-10-11</a:t>
+              <a:t>2021-02-22</a:t>
             </a:fld>
             <a:endParaRPr lang="ko-KR" altLang="en-US"/>
           </a:p>
@@ -2618,7 +2620,7 @@
     </p:spTree>
     <p:extLst>
       <p:ext uri="{BB962C8B-B14F-4D97-AF65-F5344CB8AC3E}">
-        <p14:creationId xmlns:p14="http://schemas.microsoft.com/office/powerpoint/2010/main" xmlns="" val="3214724670"/>
+        <p14:creationId xmlns="" xmlns:p14="http://schemas.microsoft.com/office/powerpoint/2010/main" val="3214724670"/>
       </p:ext>
     </p:extLst>
   </p:cSld>
@@ -2663,7 +2665,7 @@
             <a:fld id="{D21FD3AB-38A8-4460-927B-A9DFA16A39FA}" type="datetimeFigureOut">
               <a:rPr lang="ko-KR" altLang="en-US" smtClean="0"/>
               <a:pPr/>
-              <a:t>2014-10-11</a:t>
+              <a:t>2021-02-22</a:t>
             </a:fld>
             <a:endParaRPr lang="ko-KR" altLang="en-US"/>
           </a:p>
@@ -2715,7 +2717,7 @@
     </p:spTree>
     <p:extLst>
       <p:ext uri="{BB962C8B-B14F-4D97-AF65-F5344CB8AC3E}">
-        <p14:creationId xmlns:p14="http://schemas.microsoft.com/office/powerpoint/2010/main" xmlns="" val="1815069989"/>
+        <p14:creationId xmlns="" xmlns:p14="http://schemas.microsoft.com/office/powerpoint/2010/main" val="1815069989"/>
       </p:ext>
     </p:extLst>
   </p:cSld>
@@ -2955,7 +2957,7 @@
             <a:fld id="{D21FD3AB-38A8-4460-927B-A9DFA16A39FA}" type="datetimeFigureOut">
               <a:rPr lang="ko-KR" altLang="en-US" smtClean="0"/>
               <a:pPr/>
-              <a:t>2014-10-11</a:t>
+              <a:t>2021-02-22</a:t>
             </a:fld>
             <a:endParaRPr lang="ko-KR" altLang="en-US"/>
           </a:p>
@@ -3007,7 +3009,7 @@
     </p:spTree>
     <p:extLst>
       <p:ext uri="{BB962C8B-B14F-4D97-AF65-F5344CB8AC3E}">
-        <p14:creationId xmlns:p14="http://schemas.microsoft.com/office/powerpoint/2010/main" xmlns="" val="662228547"/>
+        <p14:creationId xmlns="" xmlns:p14="http://schemas.microsoft.com/office/powerpoint/2010/main" val="662228547"/>
       </p:ext>
     </p:extLst>
   </p:cSld>
@@ -3229,7 +3231,7 @@
             <a:fld id="{D21FD3AB-38A8-4460-927B-A9DFA16A39FA}" type="datetimeFigureOut">
               <a:rPr lang="ko-KR" altLang="en-US" smtClean="0"/>
               <a:pPr/>
-              <a:t>2014-10-11</a:t>
+              <a:t>2021-02-22</a:t>
             </a:fld>
             <a:endParaRPr lang="ko-KR" altLang="en-US"/>
           </a:p>
@@ -3281,7 +3283,7 @@
     </p:spTree>
     <p:extLst>
       <p:ext uri="{BB962C8B-B14F-4D97-AF65-F5344CB8AC3E}">
-        <p14:creationId xmlns:p14="http://schemas.microsoft.com/office/powerpoint/2010/main" xmlns="" val="3639585830"/>
+        <p14:creationId xmlns="" xmlns:p14="http://schemas.microsoft.com/office/powerpoint/2010/main" val="3639585830"/>
       </p:ext>
     </p:extLst>
   </p:cSld>
@@ -3483,7 +3485,7 @@
             <a:fld id="{D21FD3AB-38A8-4460-927B-A9DFA16A39FA}" type="datetimeFigureOut">
               <a:rPr lang="ko-KR" altLang="en-US" smtClean="0"/>
               <a:pPr/>
-              <a:t>2014-10-11</a:t>
+              <a:t>2021-02-22</a:t>
             </a:fld>
             <a:endParaRPr lang="ko-KR" altLang="en-US"/>
           </a:p>
@@ -3567,7 +3569,7 @@
     </p:spTree>
     <p:extLst>
       <p:ext uri="{BB962C8B-B14F-4D97-AF65-F5344CB8AC3E}">
-        <p14:creationId xmlns:p14="http://schemas.microsoft.com/office/powerpoint/2010/main" xmlns="" val="498469040"/>
+        <p14:creationId xmlns="" xmlns:p14="http://schemas.microsoft.com/office/powerpoint/2010/main" val="498469040"/>
       </p:ext>
     </p:extLst>
   </p:cSld>
@@ -4013,11 +4015,7 @@
           </a:p>
           <a:p>
             <a:r>
-              <a:rPr lang="en-US" altLang="ko-KR" sz="3600" dirty="0" smtClean="0"/>
-              <a:t>20091289 </a:t>
-            </a:r>
-            <a:r>
-              <a:rPr lang="ko-KR" altLang="en-US" sz="3600" dirty="0" smtClean="0"/>
+              <a:rPr lang="ko-KR" altLang="en-US" sz="3600" smtClean="0"/>
               <a:t>지상준</a:t>
             </a:r>
             <a:endParaRPr lang="en-US" altLang="ko-KR" sz="3600" dirty="0" smtClean="0"/>
@@ -4027,7 +4025,7 @@
     </p:spTree>
     <p:extLst>
       <p:ext uri="{BB962C8B-B14F-4D97-AF65-F5344CB8AC3E}">
-        <p14:creationId xmlns:p14="http://schemas.microsoft.com/office/powerpoint/2010/main" xmlns="" val="3201894284"/>
+        <p14:creationId xmlns="" xmlns:p14="http://schemas.microsoft.com/office/powerpoint/2010/main" val="3201894284"/>
       </p:ext>
     </p:extLst>
   </p:cSld>
@@ -4681,7 +4679,7 @@
     </p:spTree>
     <p:extLst>
       <p:ext uri="{BB962C8B-B14F-4D97-AF65-F5344CB8AC3E}">
-        <p14:creationId xmlns="" xmlns:p14="http://schemas.microsoft.com/office/powerpoint/2010/main" val="3746812964"/>
+        <p14:creationId xmlns:p14="http://schemas.microsoft.com/office/powerpoint/2010/main" xmlns="" val="3746812964"/>
       </p:ext>
     </p:extLst>
   </p:cSld>
@@ -5681,7 +5679,7 @@
     </p:spTree>
     <p:extLst>
       <p:ext uri="{BB962C8B-B14F-4D97-AF65-F5344CB8AC3E}">
-        <p14:creationId xmlns="" xmlns:p14="http://schemas.microsoft.com/office/powerpoint/2010/main" val="3746812964"/>
+        <p14:creationId xmlns:p14="http://schemas.microsoft.com/office/powerpoint/2010/main" xmlns="" val="3746812964"/>
       </p:ext>
     </p:extLst>
   </p:cSld>
@@ -6527,7 +6525,7 @@
     </p:spTree>
     <p:extLst>
       <p:ext uri="{BB962C8B-B14F-4D97-AF65-F5344CB8AC3E}">
-        <p14:creationId xmlns="" xmlns:p14="http://schemas.microsoft.com/office/powerpoint/2010/main" val="3746812964"/>
+        <p14:creationId xmlns:p14="http://schemas.microsoft.com/office/powerpoint/2010/main" xmlns="" val="3746812964"/>
       </p:ext>
     </p:extLst>
   </p:cSld>
@@ -7349,7 +7347,7 @@
     </p:spTree>
     <p:extLst>
       <p:ext uri="{BB962C8B-B14F-4D97-AF65-F5344CB8AC3E}">
-        <p14:creationId xmlns="" xmlns:p14="http://schemas.microsoft.com/office/powerpoint/2010/main" val="3746812964"/>
+        <p14:creationId xmlns:p14="http://schemas.microsoft.com/office/powerpoint/2010/main" xmlns="" val="3746812964"/>
       </p:ext>
     </p:extLst>
   </p:cSld>
@@ -8202,7 +8200,7 @@
     </p:spTree>
     <p:extLst>
       <p:ext uri="{BB962C8B-B14F-4D97-AF65-F5344CB8AC3E}">
-        <p14:creationId xmlns="" xmlns:p14="http://schemas.microsoft.com/office/powerpoint/2010/main" val="3746812964"/>
+        <p14:creationId xmlns:p14="http://schemas.microsoft.com/office/powerpoint/2010/main" xmlns="" val="3746812964"/>
       </p:ext>
     </p:extLst>
   </p:cSld>
@@ -8599,7 +8597,7 @@
     </p:spTree>
     <p:extLst>
       <p:ext uri="{BB962C8B-B14F-4D97-AF65-F5344CB8AC3E}">
-        <p14:creationId xmlns="" xmlns:p14="http://schemas.microsoft.com/office/powerpoint/2010/main" val="3746812964"/>
+        <p14:creationId xmlns:p14="http://schemas.microsoft.com/office/powerpoint/2010/main" xmlns="" val="3746812964"/>
       </p:ext>
     </p:extLst>
   </p:cSld>
@@ -9293,7 +9291,7 @@
     </p:spTree>
     <p:extLst>
       <p:ext uri="{BB962C8B-B14F-4D97-AF65-F5344CB8AC3E}">
-        <p14:creationId xmlns="" xmlns:p14="http://schemas.microsoft.com/office/powerpoint/2010/main" val="3746812964"/>
+        <p14:creationId xmlns:p14="http://schemas.microsoft.com/office/powerpoint/2010/main" xmlns="" val="3746812964"/>
       </p:ext>
     </p:extLst>
   </p:cSld>
@@ -10422,7 +10420,7 @@
     </p:spTree>
     <p:extLst>
       <p:ext uri="{BB962C8B-B14F-4D97-AF65-F5344CB8AC3E}">
-        <p14:creationId xmlns="" xmlns:p14="http://schemas.microsoft.com/office/powerpoint/2010/main" val="3746812964"/>
+        <p14:creationId xmlns:p14="http://schemas.microsoft.com/office/powerpoint/2010/main" xmlns="" val="3746812964"/>
       </p:ext>
     </p:extLst>
   </p:cSld>
@@ -10515,15 +10513,7 @@
                   <a:schemeClr val="accent1"/>
                 </a:solidFill>
               </a:rPr>
-              <a:t>STEP</a:t>
-            </a:r>
-            <a:r>
-              <a:rPr lang="en-US" altLang="ko-KR" sz="2000" b="0" smtClean="0">
-                <a:solidFill>
-                  <a:schemeClr val="accent1"/>
-                </a:solidFill>
-              </a:rPr>
-              <a:t>3</a:t>
+              <a:t>STEP3</a:t>
             </a:r>
             <a:r>
               <a:rPr lang="ko-KR" altLang="en-US" sz="2000" b="0" smtClean="0">
@@ -10610,7 +10600,7 @@
     </p:spTree>
     <p:extLst>
       <p:ext uri="{BB962C8B-B14F-4D97-AF65-F5344CB8AC3E}">
-        <p14:creationId xmlns:p14="http://schemas.microsoft.com/office/powerpoint/2010/main" xmlns="" val="3746812964"/>
+        <p14:creationId xmlns="" xmlns:p14="http://schemas.microsoft.com/office/powerpoint/2010/main" val="3746812964"/>
       </p:ext>
     </p:extLst>
   </p:cSld>
@@ -10763,11 +10753,6 @@
               </a:rPr>
               <a:t>)</a:t>
             </a:r>
-            <a:endParaRPr lang="en-US" altLang="ko-KR" sz="2600" smtClean="0">
-              <a:solidFill>
-                <a:schemeClr val="accent4"/>
-              </a:solidFill>
-            </a:endParaRPr>
           </a:p>
           <a:p>
             <a:r>
@@ -10778,11 +10763,6 @@
               </a:rPr>
               <a:t>return -1;</a:t>
             </a:r>
-            <a:endParaRPr lang="en-US" altLang="ko-KR" sz="2600" smtClean="0">
-              <a:solidFill>
-                <a:schemeClr val="accent2"/>
-              </a:solidFill>
-            </a:endParaRPr>
           </a:p>
           <a:p>
             <a:r>
@@ -11154,7 +11134,7 @@
     </p:spTree>
     <p:extLst>
       <p:ext uri="{BB962C8B-B14F-4D97-AF65-F5344CB8AC3E}">
-        <p14:creationId xmlns:p14="http://schemas.microsoft.com/office/powerpoint/2010/main" xmlns="" val="1724546579"/>
+        <p14:creationId xmlns="" xmlns:p14="http://schemas.microsoft.com/office/powerpoint/2010/main" val="1724546579"/>
       </p:ext>
     </p:extLst>
   </p:cSld>
@@ -11625,15 +11605,7 @@
                   <a:schemeClr val="accent1"/>
                 </a:solidFill>
               </a:rPr>
-              <a:t> </a:t>
-            </a:r>
-            <a:r>
-              <a:rPr lang="en-US" altLang="ko-KR" smtClean="0">
-                <a:solidFill>
-                  <a:schemeClr val="accent1"/>
-                </a:solidFill>
-              </a:rPr>
-              <a:t>pre</a:t>
+              <a:t> pre</a:t>
             </a:r>
             <a:r>
               <a:rPr lang="ko-KR" altLang="en-US" smtClean="0">
@@ -11982,7 +11954,6 @@
               <a:rPr lang="en-US" altLang="ko-KR" smtClean="0"/>
               <a:t>Succ</a:t>
             </a:r>
-            <a:endParaRPr lang="en-US" altLang="ko-KR" smtClean="0"/>
           </a:p>
           <a:p>
             <a:pPr algn="ctr"/>
@@ -12115,11 +12086,7 @@
             <a:pPr algn="ctr"/>
             <a:r>
               <a:rPr lang="ko-KR" altLang="en-US" smtClean="0"/>
-              <a:t>노</a:t>
-            </a:r>
-            <a:r>
-              <a:rPr lang="ko-KR" altLang="en-US" smtClean="0"/>
-              <a:t>드</a:t>
+              <a:t>노드</a:t>
             </a:r>
             <a:endParaRPr lang="ko-KR" altLang="en-US"/>
           </a:p>
@@ -12728,7 +12695,6 @@
               <a:rPr lang="en-US" altLang="ko-KR" smtClean="0"/>
               <a:t>Succ</a:t>
             </a:r>
-            <a:endParaRPr lang="en-US" altLang="ko-KR" smtClean="0"/>
           </a:p>
           <a:p>
             <a:pPr algn="ctr"/>
@@ -12861,11 +12827,7 @@
             <a:pPr algn="ctr"/>
             <a:r>
               <a:rPr lang="ko-KR" altLang="en-US" smtClean="0"/>
-              <a:t>노</a:t>
-            </a:r>
-            <a:r>
-              <a:rPr lang="ko-KR" altLang="en-US" smtClean="0"/>
-              <a:t>드</a:t>
+              <a:t>노드</a:t>
             </a:r>
             <a:endParaRPr lang="ko-KR" altLang="en-US"/>
           </a:p>
@@ -12980,71 +12942,7 @@
                   <a:schemeClr val="accent1"/>
                 </a:solidFill>
               </a:rPr>
-              <a:t>우선 </a:t>
-            </a:r>
-            <a:r>
-              <a:rPr lang="ko-KR" altLang="en-US" smtClean="0">
-                <a:solidFill>
-                  <a:schemeClr val="accent1"/>
-                </a:solidFill>
-              </a:rPr>
-              <a:t>앞선 </a:t>
-            </a:r>
-            <a:r>
-              <a:rPr lang="ko-KR" altLang="en-US" smtClean="0">
-                <a:solidFill>
-                  <a:schemeClr val="accent1"/>
-                </a:solidFill>
-              </a:rPr>
-              <a:t>슬라이드에 있는 알고리즘부분에서 이미 </a:t>
-            </a:r>
-            <a:r>
-              <a:rPr lang="ko-KR" altLang="en-US" smtClean="0">
-                <a:solidFill>
-                  <a:schemeClr val="accent1"/>
-                </a:solidFill>
-              </a:rPr>
-              <a:t>고장난 </a:t>
-            </a:r>
-            <a:r>
-              <a:rPr lang="ko-KR" altLang="en-US" smtClean="0">
-                <a:solidFill>
-                  <a:schemeClr val="accent1"/>
-                </a:solidFill>
-              </a:rPr>
-              <a:t>부분을 </a:t>
-            </a:r>
-            <a:r>
-              <a:rPr lang="ko-KR" altLang="en-US" smtClean="0">
-                <a:solidFill>
-                  <a:schemeClr val="accent1"/>
-                </a:solidFill>
-              </a:rPr>
-              <a:t>셋</a:t>
-            </a:r>
-            <a:r>
-              <a:rPr lang="ko-KR" altLang="en-US" smtClean="0">
-                <a:solidFill>
-                  <a:schemeClr val="accent1"/>
-                </a:solidFill>
-              </a:rPr>
-              <a:t>팅</a:t>
-            </a:r>
-            <a:r>
-              <a:rPr lang="ko-KR" altLang="en-US" smtClean="0">
-                <a:solidFill>
-                  <a:schemeClr val="accent1"/>
-                </a:solidFill>
-              </a:rPr>
-              <a:t>하는 </a:t>
-            </a:r>
-            <a:r>
-              <a:rPr lang="ko-KR" altLang="en-US" smtClean="0">
-                <a:solidFill>
-                  <a:schemeClr val="accent1"/>
-                </a:solidFill>
-              </a:rPr>
-              <a:t>방법이 있지만</a:t>
+              <a:t>우선 앞선 슬라이드에 있는 알고리즘부분에서 이미 고장난 부분을 셋팅하는 방법이 있지만</a:t>
             </a:r>
             <a:r>
               <a:rPr lang="en-US" altLang="ko-KR" smtClean="0">
@@ -13060,15 +12958,7 @@
                   <a:schemeClr val="accent1"/>
                 </a:solidFill>
               </a:rPr>
-              <a:t>풀어 </a:t>
-            </a:r>
-            <a:r>
-              <a:rPr lang="ko-KR" altLang="en-US" smtClean="0">
-                <a:solidFill>
-                  <a:schemeClr val="accent1"/>
-                </a:solidFill>
-              </a:rPr>
-              <a:t>적어볼까합니다</a:t>
+              <a:t>풀어 적어볼까합니다</a:t>
             </a:r>
             <a:r>
               <a:rPr lang="en-US" altLang="ko-KR" smtClean="0">
@@ -13474,30 +13364,14 @@
                   <a:schemeClr val="accent3"/>
                 </a:solidFill>
               </a:rPr>
-              <a:t>를 </a:t>
-            </a:r>
-            <a:r>
-              <a:rPr lang="ko-KR" altLang="en-US" smtClean="0">
+              <a:t>를 해야 할 노드로 등록해야 합니다</a:t>
+            </a:r>
+            <a:r>
+              <a:rPr lang="en-US" altLang="ko-KR" smtClean="0">
                 <a:solidFill>
                   <a:schemeClr val="accent3"/>
                 </a:solidFill>
               </a:rPr>
-              <a:t>해야 할 </a:t>
-            </a:r>
-            <a:r>
-              <a:rPr lang="ko-KR" altLang="en-US" smtClean="0">
-                <a:solidFill>
-                  <a:schemeClr val="accent3"/>
-                </a:solidFill>
-              </a:rPr>
-              <a:t>노드로 등록해야 합니다</a:t>
-            </a:r>
-            <a:r>
-              <a:rPr lang="en-US" altLang="ko-KR" smtClean="0">
-                <a:solidFill>
-                  <a:schemeClr val="accent3"/>
-                </a:solidFill>
-              </a:rPr>
               <a:t>.</a:t>
             </a:r>
           </a:p>
@@ -13621,15 +13495,7 @@
                   <a:schemeClr val="accent1"/>
                 </a:solidFill>
               </a:rPr>
-              <a:t>들을 </a:t>
-            </a:r>
-            <a:r>
-              <a:rPr lang="ko-KR" altLang="en-US" smtClean="0">
-                <a:solidFill>
-                  <a:schemeClr val="accent1"/>
-                </a:solidFill>
-              </a:rPr>
-              <a:t>순차적으로 돌아가며 고장이 안난 </a:t>
+              <a:t>들을 순차적으로 돌아가며 고장이 안난 </a:t>
             </a:r>
             <a:r>
               <a:rPr lang="en-US" altLang="ko-KR" smtClean="0">
@@ -13645,15 +13511,7 @@
                   <a:schemeClr val="accent1"/>
                 </a:solidFill>
               </a:rPr>
-              <a:t>를 찾자마자 고장난 부분을 이 노드로 고치면 </a:t>
-            </a:r>
-            <a:r>
-              <a:rPr lang="ko-KR" altLang="en-US" smtClean="0">
-                <a:solidFill>
-                  <a:schemeClr val="accent1"/>
-                </a:solidFill>
-              </a:rPr>
-              <a:t>됩니다</a:t>
+              <a:t>를 찾자마자 고장난 부분을 이 노드로 고치면 됩니다</a:t>
             </a:r>
             <a:r>
               <a:rPr lang="en-US" altLang="ko-KR" smtClean="0">
@@ -13709,15 +13567,7 @@
                   <a:schemeClr val="accent1"/>
                 </a:solidFill>
               </a:rPr>
-              <a:t>단순한 방법 외에 두가지 예외적인 경우는 다음 슬라이드의 저의 코드 부분에 주석부분을 참고해주시면 </a:t>
-            </a:r>
-            <a:r>
-              <a:rPr lang="ko-KR" altLang="en-US" smtClean="0">
-                <a:solidFill>
-                  <a:schemeClr val="accent1"/>
-                </a:solidFill>
-              </a:rPr>
-              <a:t>됩니다</a:t>
+              <a:t>단순한 방법 외에 두가지 예외적인 경우는 다음 슬라이드의 저의 코드 부분에 주석부분을 참고해주시면 됩니다</a:t>
             </a:r>
             <a:r>
               <a:rPr lang="en-US" altLang="ko-KR" smtClean="0">
@@ -13727,11 +13577,6 @@
               </a:rPr>
               <a:t>.</a:t>
             </a:r>
-            <a:endParaRPr lang="en-US" altLang="ko-KR" smtClean="0">
-              <a:solidFill>
-                <a:schemeClr val="accent1"/>
-              </a:solidFill>
-            </a:endParaRPr>
           </a:p>
         </p:txBody>
       </p:sp>
@@ -14122,11 +13967,6 @@
               </a:rPr>
               <a:t>.</a:t>
             </a:r>
-            <a:endParaRPr lang="en-US" altLang="ko-KR" smtClean="0">
-              <a:solidFill>
-                <a:schemeClr val="accent1"/>
-              </a:solidFill>
-            </a:endParaRPr>
           </a:p>
         </p:txBody>
       </p:sp>
@@ -14322,39 +14162,7 @@
                   <a:schemeClr val="accent1"/>
                 </a:solidFill>
               </a:rPr>
-              <a:t>가지의 기능은 </a:t>
-            </a:r>
-            <a:r>
-              <a:rPr lang="ko-KR" altLang="en-US" smtClean="0">
-                <a:solidFill>
-                  <a:schemeClr val="accent1"/>
-                </a:solidFill>
-              </a:rPr>
-              <a:t>간단하므로 </a:t>
-            </a:r>
-            <a:r>
-              <a:rPr lang="ko-KR" altLang="en-US" smtClean="0">
-                <a:solidFill>
-                  <a:schemeClr val="accent1"/>
-                </a:solidFill>
-              </a:rPr>
-              <a:t>어떤 </a:t>
-            </a:r>
-            <a:r>
-              <a:rPr lang="ko-KR" altLang="en-US" smtClean="0">
-                <a:solidFill>
-                  <a:schemeClr val="accent1"/>
-                </a:solidFill>
-              </a:rPr>
-              <a:t>기능을 하는지 </a:t>
-            </a:r>
-            <a:r>
-              <a:rPr lang="ko-KR" altLang="en-US" smtClean="0">
-                <a:solidFill>
-                  <a:schemeClr val="accent1"/>
-                </a:solidFill>
-              </a:rPr>
-              <a:t>살펴보겠습니다</a:t>
+              <a:t>가지의 기능은 간단하므로 어떤 기능을 하는지 살펴보겠습니다</a:t>
             </a:r>
             <a:r>
               <a:rPr lang="en-US" altLang="ko-KR" smtClean="0">
@@ -14456,23 +14264,7 @@
                   <a:schemeClr val="accent1"/>
                 </a:solidFill>
               </a:rPr>
-              <a:t>노드가 떠나면서 </a:t>
-            </a:r>
-            <a:r>
-              <a:rPr lang="ko-KR" altLang="en-US" smtClean="0">
-                <a:solidFill>
-                  <a:schemeClr val="accent1"/>
-                </a:solidFill>
-              </a:rPr>
-              <a:t>사라진 </a:t>
-            </a:r>
-            <a:r>
-              <a:rPr lang="ko-KR" altLang="en-US" smtClean="0">
-                <a:solidFill>
-                  <a:schemeClr val="accent1"/>
-                </a:solidFill>
-              </a:rPr>
-              <a:t>파일이 발생했었습니다</a:t>
+              <a:t>노드가 떠나면서 사라진 파일이 발생했었습니다</a:t>
             </a:r>
             <a:r>
               <a:rPr lang="en-US" altLang="ko-KR" smtClean="0">
@@ -14520,31 +14312,7 @@
                   <a:schemeClr val="accent1"/>
                 </a:solidFill>
               </a:rPr>
-              <a:t>정보들 중 </a:t>
-            </a:r>
-            <a:r>
-              <a:rPr lang="ko-KR" altLang="en-US" smtClean="0">
-                <a:solidFill>
-                  <a:schemeClr val="accent1"/>
-                </a:solidFill>
-              </a:rPr>
-              <a:t>파일의 소유자가 떠나서 더 이상 쓸모 없게 </a:t>
-            </a:r>
-            <a:r>
-              <a:rPr lang="ko-KR" altLang="en-US" smtClean="0">
-                <a:solidFill>
-                  <a:schemeClr val="accent1"/>
-                </a:solidFill>
-              </a:rPr>
-              <a:t>된</a:t>
-            </a:r>
-            <a:r>
-              <a:rPr lang="ko-KR" altLang="en-US" smtClean="0">
-                <a:solidFill>
-                  <a:schemeClr val="accent1"/>
-                </a:solidFill>
-              </a:rPr>
-              <a:t> 부분을 지워줍니다</a:t>
+              <a:t>정보들 중 파일의 소유자가 떠나서 더 이상 쓸모 없게 된 부분을 지워줍니다</a:t>
             </a:r>
             <a:r>
               <a:rPr lang="en-US" altLang="ko-KR" smtClean="0">
@@ -15185,11 +14953,6 @@
               </a:rPr>
               <a:t>)</a:t>
             </a:r>
-            <a:endParaRPr lang="en-US" altLang="ko-KR" smtClean="0">
-              <a:solidFill>
-                <a:schemeClr val="accent4"/>
-              </a:solidFill>
-            </a:endParaRPr>
           </a:p>
         </p:txBody>
       </p:sp>
@@ -15784,15 +15547,34 @@
             </a:r>
             <a:r>
               <a:rPr lang="en-US" altLang="ko-KR" smtClean="0"/>
-              <a:t>pre </a:t>
+              <a:t>pre :   </a:t>
+            </a:r>
+            <a:r>
+              <a:rPr lang="en-US" altLang="ko-KR" smtClean="0">
+                <a:solidFill>
+                  <a:schemeClr val="accent3"/>
+                </a:solidFill>
+              </a:rPr>
+              <a:t>2</a:t>
             </a:r>
             <a:r>
               <a:rPr lang="en-US" altLang="ko-KR" smtClean="0"/>
-              <a:t>: </a:t>
+              <a:t>, finger[1] : 22, finger[2] : 22, finger[3] : 22, finger[4] : 22, finger[5] : 22</a:t>
+            </a:r>
+          </a:p>
+          <a:p>
+            <a:pPr marL="342900" indent="-342900"/>
+            <a:r>
+              <a:rPr lang="en-US" altLang="ko-KR" b="1" smtClean="0">
+                <a:solidFill>
+                  <a:srgbClr val="FF0000"/>
+                </a:solidFill>
+              </a:rPr>
+              <a:t>22) </a:t>
             </a:r>
             <a:r>
               <a:rPr lang="en-US" altLang="ko-KR" smtClean="0"/>
-              <a:t>  </a:t>
+              <a:t>pre :   4, finger[1] :    </a:t>
             </a:r>
             <a:r>
               <a:rPr lang="en-US" altLang="ko-KR" smtClean="0">
@@ -15804,166 +15586,43 @@
             </a:r>
             <a:r>
               <a:rPr lang="en-US" altLang="ko-KR" smtClean="0"/>
-              <a:t>, </a:t>
+              <a:t>, finger[2] :   </a:t>
+            </a:r>
+            <a:r>
+              <a:rPr lang="en-US" altLang="ko-KR" smtClean="0">
+                <a:solidFill>
+                  <a:schemeClr val="accent3"/>
+                </a:solidFill>
+              </a:rPr>
+              <a:t>2</a:t>
             </a:r>
             <a:r>
               <a:rPr lang="en-US" altLang="ko-KR" smtClean="0"/>
-              <a:t>finger[1] </a:t>
+              <a:t>, finger[3] :   </a:t>
+            </a:r>
+            <a:r>
+              <a:rPr lang="en-US" altLang="ko-KR" smtClean="0">
+                <a:solidFill>
+                  <a:schemeClr val="accent3"/>
+                </a:solidFill>
+              </a:rPr>
+              <a:t>2</a:t>
             </a:r>
             <a:r>
               <a:rPr lang="en-US" altLang="ko-KR" smtClean="0"/>
-              <a:t>: </a:t>
+              <a:t>, finger[4]  :   </a:t>
+            </a:r>
+            <a:r>
+              <a:rPr lang="en-US" altLang="ko-KR" smtClean="0">
+                <a:solidFill>
+                  <a:schemeClr val="accent3"/>
+                </a:solidFill>
+              </a:rPr>
+              <a:t>2</a:t>
             </a:r>
             <a:r>
               <a:rPr lang="en-US" altLang="ko-KR" smtClean="0"/>
-              <a:t>22, </a:t>
-            </a:r>
-            <a:r>
-              <a:rPr lang="en-US" altLang="ko-KR" smtClean="0"/>
-              <a:t>finger[2] </a:t>
-            </a:r>
-            <a:r>
-              <a:rPr lang="en-US" altLang="ko-KR" smtClean="0"/>
-              <a:t>: </a:t>
-            </a:r>
-            <a:r>
-              <a:rPr lang="en-US" altLang="ko-KR" smtClean="0"/>
-              <a:t>22, </a:t>
-            </a:r>
-            <a:r>
-              <a:rPr lang="en-US" altLang="ko-KR" smtClean="0"/>
-              <a:t>finger[3] : 22, finger[4] : 22, finger[5] </a:t>
-            </a:r>
-            <a:r>
-              <a:rPr lang="en-US" altLang="ko-KR" smtClean="0"/>
-              <a:t>: </a:t>
-            </a:r>
-            <a:r>
-              <a:rPr lang="en-US" altLang="ko-KR" smtClean="0"/>
-              <a:t>22</a:t>
-            </a:r>
-          </a:p>
-          <a:p>
-            <a:pPr marL="342900" indent="-342900"/>
-            <a:r>
-              <a:rPr lang="en-US" altLang="ko-KR" b="1" smtClean="0">
-                <a:solidFill>
-                  <a:srgbClr val="FF0000"/>
-                </a:solidFill>
-              </a:rPr>
-              <a:t>22) </a:t>
-            </a:r>
-            <a:r>
-              <a:rPr lang="en-US" altLang="ko-KR" smtClean="0"/>
-              <a:t>pre </a:t>
-            </a:r>
-            <a:r>
-              <a:rPr lang="en-US" altLang="ko-KR" smtClean="0"/>
-              <a:t>:   </a:t>
-            </a:r>
-            <a:r>
-              <a:rPr lang="en-US" altLang="ko-KR" smtClean="0"/>
-              <a:t>4, </a:t>
-            </a:r>
-            <a:r>
-              <a:rPr lang="en-US" altLang="ko-KR" smtClean="0"/>
-              <a:t>finger[1] </a:t>
-            </a:r>
-            <a:r>
-              <a:rPr lang="en-US" altLang="ko-KR" smtClean="0"/>
-              <a:t>: </a:t>
-            </a:r>
-            <a:r>
-              <a:rPr lang="en-US" altLang="ko-KR" smtClean="0"/>
-              <a:t>   </a:t>
-            </a:r>
-            <a:r>
-              <a:rPr lang="en-US" altLang="ko-KR" smtClean="0">
-                <a:solidFill>
-                  <a:schemeClr val="accent3"/>
-                </a:solidFill>
-              </a:rPr>
-              <a:t>2</a:t>
-            </a:r>
-            <a:r>
-              <a:rPr lang="en-US" altLang="ko-KR" smtClean="0"/>
-              <a:t>, finger[2</a:t>
-            </a:r>
-            <a:r>
-              <a:rPr lang="en-US" altLang="ko-KR" smtClean="0"/>
-              <a:t>] </a:t>
-            </a:r>
-            <a:r>
-              <a:rPr lang="en-US" altLang="ko-KR" smtClean="0"/>
-              <a:t>:   </a:t>
-            </a:r>
-            <a:r>
-              <a:rPr lang="en-US" altLang="ko-KR" smtClean="0">
-                <a:solidFill>
-                  <a:schemeClr val="accent3"/>
-                </a:solidFill>
-              </a:rPr>
-              <a:t>2</a:t>
-            </a:r>
-            <a:r>
-              <a:rPr lang="en-US" altLang="ko-KR" smtClean="0"/>
-              <a:t>, finger[3</a:t>
-            </a:r>
-            <a:r>
-              <a:rPr lang="en-US" altLang="ko-KR" smtClean="0"/>
-              <a:t>] </a:t>
-            </a:r>
-            <a:r>
-              <a:rPr lang="en-US" altLang="ko-KR" smtClean="0"/>
-              <a:t>: </a:t>
-            </a:r>
-            <a:r>
-              <a:rPr lang="en-US" altLang="ko-KR" smtClean="0"/>
-              <a:t>  </a:t>
-            </a:r>
-            <a:r>
-              <a:rPr lang="en-US" altLang="ko-KR" smtClean="0">
-                <a:solidFill>
-                  <a:schemeClr val="accent3"/>
-                </a:solidFill>
-              </a:rPr>
-              <a:t>2</a:t>
-            </a:r>
-            <a:r>
-              <a:rPr lang="en-US" altLang="ko-KR" smtClean="0"/>
-              <a:t>, finger[4</a:t>
-            </a:r>
-            <a:r>
-              <a:rPr lang="en-US" altLang="ko-KR" smtClean="0"/>
-              <a:t>] </a:t>
-            </a:r>
-            <a:r>
-              <a:rPr lang="en-US" altLang="ko-KR" smtClean="0"/>
-              <a:t> :   </a:t>
-            </a:r>
-            <a:r>
-              <a:rPr lang="en-US" altLang="ko-KR" smtClean="0">
-                <a:solidFill>
-                  <a:schemeClr val="accent3"/>
-                </a:solidFill>
-              </a:rPr>
-              <a:t>2</a:t>
-            </a:r>
-            <a:r>
-              <a:rPr lang="en-US" altLang="ko-KR" smtClean="0"/>
-              <a:t>, </a:t>
-            </a:r>
-            <a:r>
-              <a:rPr lang="en-US" altLang="ko-KR" smtClean="0"/>
-              <a:t>finger[5] </a:t>
-            </a:r>
-            <a:r>
-              <a:rPr lang="en-US" altLang="ko-KR" smtClean="0"/>
-              <a:t>: </a:t>
-            </a:r>
-            <a:r>
-              <a:rPr lang="en-US" altLang="ko-KR" smtClean="0"/>
-              <a:t>22</a:t>
+              <a:t>, finger[5] : 22</a:t>
             </a:r>
           </a:p>
           <a:p>
@@ -16048,70 +15707,38 @@
                   <a:srgbClr val="FF0000"/>
                 </a:solidFill>
               </a:rPr>
-              <a:t> </a:t>
-            </a:r>
+              <a:t>  4) </a:t>
+            </a:r>
+            <a:r>
+              <a:rPr lang="en-US" altLang="ko-KR" smtClean="0"/>
+              <a:t>pre :  </a:t>
+            </a:r>
+            <a:r>
+              <a:rPr lang="en-US" altLang="ko-KR" smtClean="0">
+                <a:solidFill>
+                  <a:schemeClr val="accent3"/>
+                </a:solidFill>
+              </a:rPr>
+              <a:t>-1</a:t>
+            </a:r>
+            <a:r>
+              <a:rPr lang="en-US" altLang="ko-KR" smtClean="0"/>
+              <a:t>, finger[1] : 22, finger[2] : 22, finger[3] : 22, finger[4] : 22, finger[5] : 22</a:t>
+            </a:r>
+          </a:p>
+          <a:p>
+            <a:pPr marL="342900" indent="-342900"/>
             <a:r>
               <a:rPr lang="en-US" altLang="ko-KR" b="1" smtClean="0">
                 <a:solidFill>
                   <a:srgbClr val="FF0000"/>
                 </a:solidFill>
               </a:rPr>
-              <a:t> 4</a:t>
-            </a:r>
-            <a:r>
-              <a:rPr lang="en-US" altLang="ko-KR" b="1" smtClean="0">
-                <a:solidFill>
-                  <a:srgbClr val="FF0000"/>
-                </a:solidFill>
-              </a:rPr>
-              <a:t>) </a:t>
+              <a:t>22) </a:t>
             </a:r>
             <a:r>
               <a:rPr lang="en-US" altLang="ko-KR" smtClean="0"/>
-              <a:t>pre </a:t>
-            </a:r>
-            <a:r>
-              <a:rPr lang="en-US" altLang="ko-KR" smtClean="0"/>
-              <a:t>:  </a:t>
-            </a:r>
-            <a:r>
-              <a:rPr lang="en-US" altLang="ko-KR" smtClean="0">
-                <a:solidFill>
-                  <a:schemeClr val="accent3"/>
-                </a:solidFill>
-              </a:rPr>
-              <a:t>-1</a:t>
-            </a:r>
-            <a:r>
-              <a:rPr lang="en-US" altLang="ko-KR" smtClean="0"/>
-              <a:t>, </a:t>
-            </a:r>
-            <a:r>
-              <a:rPr lang="en-US" altLang="ko-KR" smtClean="0"/>
-              <a:t>finger[1] : 22, finger[2] : 22, finger[3] : 22, finger[4] : 22, finger[5] : 22</a:t>
-            </a:r>
-          </a:p>
-          <a:p>
-            <a:pPr marL="342900" indent="-342900"/>
-            <a:r>
-              <a:rPr lang="en-US" altLang="ko-KR" b="1" smtClean="0">
-                <a:solidFill>
-                  <a:srgbClr val="FF0000"/>
-                </a:solidFill>
-              </a:rPr>
-              <a:t>22) </a:t>
-            </a:r>
-            <a:r>
-              <a:rPr lang="en-US" altLang="ko-KR" smtClean="0"/>
-              <a:t>pre :   4</a:t>
-            </a:r>
-            <a:r>
-              <a:rPr lang="en-US" altLang="ko-KR" smtClean="0"/>
-              <a:t>, </a:t>
-            </a:r>
-            <a:r>
-              <a:rPr lang="en-US" altLang="ko-KR" smtClean="0"/>
-              <a:t>finger[1] : </a:t>
+              <a:t>pre :   4, finger[1] : </a:t>
             </a:r>
             <a:r>
               <a:rPr lang="en-US" altLang="ko-KR" smtClean="0">
@@ -16159,15 +15786,7 @@
             </a:r>
             <a:r>
               <a:rPr lang="en-US" altLang="ko-KR" smtClean="0"/>
-              <a:t>, finger[5] </a:t>
-            </a:r>
-            <a:r>
-              <a:rPr lang="en-US" altLang="ko-KR" smtClean="0"/>
-              <a:t>: </a:t>
-            </a:r>
-            <a:r>
-              <a:rPr lang="en-US" altLang="ko-KR" smtClean="0"/>
-              <a:t>22</a:t>
+              <a:t>, finger[5] : 22</a:t>
             </a:r>
           </a:p>
           <a:p>
@@ -16372,11 +15991,6 @@
               </a:rPr>
               <a:t>.</a:t>
             </a:r>
-            <a:endParaRPr lang="en-US" altLang="ko-KR" smtClean="0">
-              <a:solidFill>
-                <a:schemeClr val="accent1"/>
-              </a:solidFill>
-            </a:endParaRPr>
           </a:p>
         </p:txBody>
       </p:sp>
@@ -16464,7 +16078,7 @@
     </p:spTree>
     <p:extLst>
       <p:ext uri="{BB962C8B-B14F-4D97-AF65-F5344CB8AC3E}">
-        <p14:creationId xmlns:p14="http://schemas.microsoft.com/office/powerpoint/2010/main" xmlns="" val="3904439088"/>
+        <p14:creationId xmlns="" xmlns:p14="http://schemas.microsoft.com/office/powerpoint/2010/main" val="3904439088"/>
       </p:ext>
     </p:extLst>
   </p:cSld>
@@ -16660,7 +16274,7 @@
     </p:spTree>
     <p:extLst>
       <p:ext uri="{BB962C8B-B14F-4D97-AF65-F5344CB8AC3E}">
-        <p14:creationId xmlns:p14="http://schemas.microsoft.com/office/powerpoint/2010/main" xmlns="" val="4147651606"/>
+        <p14:creationId xmlns="" xmlns:p14="http://schemas.microsoft.com/office/powerpoint/2010/main" val="4147651606"/>
       </p:ext>
     </p:extLst>
   </p:cSld>
@@ -16749,7 +16363,7 @@
           <p:nvPr>
             <p:extLst>
               <p:ext uri="{D42A27DB-BD31-4B8C-83A1-F6EECF244321}">
-                <p14:modId xmlns:p14="http://schemas.microsoft.com/office/powerpoint/2010/main" xmlns="" val="1509443249"/>
+                <p14:modId xmlns="" xmlns:p14="http://schemas.microsoft.com/office/powerpoint/2010/main" val="1509443249"/>
               </p:ext>
             </p:extLst>
           </p:nvPr>
@@ -18068,7 +17682,7 @@
     </p:spTree>
     <p:extLst>
       <p:ext uri="{BB962C8B-B14F-4D97-AF65-F5344CB8AC3E}">
-        <p14:creationId xmlns:p14="http://schemas.microsoft.com/office/powerpoint/2010/main" xmlns="" val="379882796"/>
+        <p14:creationId xmlns="" xmlns:p14="http://schemas.microsoft.com/office/powerpoint/2010/main" val="379882796"/>
       </p:ext>
     </p:extLst>
   </p:cSld>
@@ -18146,23 +17760,7 @@
                   <a:schemeClr val="accent1"/>
                 </a:solidFill>
               </a:rPr>
-              <a:t>어려웠던 </a:t>
-            </a:r>
-            <a:r>
-              <a:rPr lang="ko-KR" altLang="en-US" smtClean="0">
-                <a:solidFill>
-                  <a:schemeClr val="accent1"/>
-                </a:solidFill>
-              </a:rPr>
-              <a:t>부분</a:t>
-            </a:r>
-            <a:r>
-              <a:rPr lang="ko-KR" altLang="en-US" smtClean="0">
-                <a:solidFill>
-                  <a:schemeClr val="accent1"/>
-                </a:solidFill>
-              </a:rPr>
-              <a:t>은 디버그하는 과정이 었습니다</a:t>
+              <a:t>어려웠던 부분은 디버그하는 과정이 었습니다</a:t>
             </a:r>
             <a:r>
               <a:rPr lang="en-US" altLang="ko-KR" smtClean="0">
@@ -18199,7 +17797,7 @@
     </p:spTree>
     <p:extLst>
       <p:ext uri="{BB962C8B-B14F-4D97-AF65-F5344CB8AC3E}">
-        <p14:creationId xmlns:p14="http://schemas.microsoft.com/office/powerpoint/2010/main" xmlns="" val="1607802680"/>
+        <p14:creationId xmlns="" xmlns:p14="http://schemas.microsoft.com/office/powerpoint/2010/main" val="1607802680"/>
       </p:ext>
     </p:extLst>
   </p:cSld>
@@ -18361,7 +17959,7 @@
     </p:spTree>
     <p:extLst>
       <p:ext uri="{BB962C8B-B14F-4D97-AF65-F5344CB8AC3E}">
-        <p14:creationId xmlns:p14="http://schemas.microsoft.com/office/powerpoint/2010/main" xmlns="" val="2460942737"/>
+        <p14:creationId xmlns="" xmlns:p14="http://schemas.microsoft.com/office/powerpoint/2010/main" val="2460942737"/>
       </p:ext>
     </p:extLst>
   </p:cSld>
@@ -18679,7 +18277,7 @@
     </p:spTree>
     <p:extLst>
       <p:ext uri="{BB962C8B-B14F-4D97-AF65-F5344CB8AC3E}">
-        <p14:creationId xmlns:p14="http://schemas.microsoft.com/office/powerpoint/2010/main" xmlns="" val="4147651606"/>
+        <p14:creationId xmlns="" xmlns:p14="http://schemas.microsoft.com/office/powerpoint/2010/main" val="4147651606"/>
       </p:ext>
     </p:extLst>
   </p:cSld>
@@ -19234,15 +18832,7 @@
                   <a:schemeClr val="accent1"/>
                 </a:solidFill>
               </a:rPr>
-              <a:t>가 내가 원하는 파일의 </a:t>
-            </a:r>
-            <a:r>
-              <a:rPr lang="ko-KR" altLang="en-US" sz="2000" smtClean="0">
-                <a:solidFill>
-                  <a:schemeClr val="accent1"/>
-                </a:solidFill>
-              </a:rPr>
-              <a:t>위치를 알기 어렵다는 점을 생각한다면</a:t>
+              <a:t>가 내가 원하는 파일의 위치를 알기 어렵다는 점을 생각한다면</a:t>
             </a:r>
             <a:r>
               <a:rPr lang="en-US" altLang="ko-KR" sz="2000" smtClean="0">
@@ -19989,15 +19579,7 @@
                   <a:schemeClr val="accent1"/>
                 </a:solidFill>
               </a:rPr>
-              <a:t>. </a:t>
-            </a:r>
-            <a:r>
-              <a:rPr lang="en-US" altLang="ko-KR" sz="2000" smtClean="0">
-                <a:solidFill>
-                  <a:schemeClr val="accent1"/>
-                </a:solidFill>
-              </a:rPr>
-              <a:t>Fix_finger()</a:t>
+              <a:t>. Fix_finger()</a:t>
             </a:r>
             <a:r>
               <a:rPr lang="ko-KR" altLang="en-US" sz="2000" smtClean="0">
@@ -20005,15 +19587,7 @@
                   <a:schemeClr val="accent1"/>
                 </a:solidFill>
               </a:rPr>
-              <a:t>의 </a:t>
-            </a:r>
-            <a:r>
-              <a:rPr lang="ko-KR" altLang="en-US" sz="2000" smtClean="0">
-                <a:solidFill>
-                  <a:schemeClr val="accent1"/>
-                </a:solidFill>
-              </a:rPr>
-              <a:t>내부에서는 </a:t>
+              <a:t>의 내부에서는 </a:t>
             </a:r>
             <a:r>
               <a:rPr lang="en-US" altLang="ko-KR" sz="2000" smtClean="0">
@@ -20144,7 +19718,7 @@
     </p:spTree>
     <p:extLst>
       <p:ext uri="{BB962C8B-B14F-4D97-AF65-F5344CB8AC3E}">
-        <p14:creationId xmlns="" xmlns:p14="http://schemas.microsoft.com/office/powerpoint/2010/main" val="4117707138"/>
+        <p14:creationId xmlns:p14="http://schemas.microsoft.com/office/powerpoint/2010/main" xmlns="" val="4117707138"/>
       </p:ext>
     </p:extLst>
   </p:cSld>
@@ -20286,31 +19860,15 @@
                   <a:schemeClr val="accent1"/>
                 </a:solidFill>
               </a:rPr>
-              <a:t> </a:t>
-            </a:r>
-            <a:r>
-              <a:rPr lang="ko-KR" altLang="en-US" smtClean="0">
-                <a:solidFill>
-                  <a:schemeClr val="accent1"/>
-                </a:solidFill>
-              </a:rPr>
-              <a:t>상의</a:t>
-            </a:r>
-            <a:r>
-              <a:rPr lang="en-US" altLang="ko-KR" smtClean="0">
-                <a:solidFill>
-                  <a:schemeClr val="accent1"/>
-                </a:solidFill>
-              </a:rPr>
-              <a:t> </a:t>
-            </a:r>
-            <a:r>
-              <a:rPr lang="en-US" altLang="ko-KR" smtClean="0">
-                <a:solidFill>
-                  <a:schemeClr val="accent1"/>
-                </a:solidFill>
-              </a:rPr>
-              <a:t>ID</a:t>
+              <a:t> 상의</a:t>
+            </a:r>
+            <a:r>
+              <a:rPr lang="en-US" altLang="ko-KR" smtClean="0">
+                <a:solidFill>
+                  <a:schemeClr val="accent1"/>
+                </a:solidFill>
+              </a:rPr>
+              <a:t> ID</a:t>
             </a:r>
             <a:r>
               <a:rPr lang="ko-KR" altLang="en-US" smtClean="0">
@@ -20472,6 +20030,8 @@
               </a:rPr>
               <a:t>.</a:t>
             </a:r>
+          </a:p>
+          <a:p>
             <a:endParaRPr lang="en-US" altLang="ko-KR" smtClean="0">
               <a:solidFill>
                 <a:schemeClr val="accent1"/>
@@ -20479,6 +20039,40 @@
             </a:endParaRPr>
           </a:p>
           <a:p>
+            <a:r>
+              <a:rPr lang="ko-KR" altLang="en-US" smtClean="0">
+                <a:solidFill>
+                  <a:schemeClr val="accent2"/>
+                </a:solidFill>
+              </a:rPr>
+              <a:t>밑의 </a:t>
+            </a:r>
+            <a:r>
+              <a:rPr lang="en-US" altLang="ko-KR" smtClean="0">
+                <a:solidFill>
+                  <a:schemeClr val="accent2"/>
+                </a:solidFill>
+              </a:rPr>
+              <a:t>(1) ~(3)</a:t>
+            </a:r>
+            <a:r>
+              <a:rPr lang="ko-KR" altLang="en-US" smtClean="0">
+                <a:solidFill>
+                  <a:schemeClr val="accent2"/>
+                </a:solidFill>
+              </a:rPr>
+              <a:t>의 전역 변수는 코드 작성에 실제로 쓰이는 변수이고 핵심이다</a:t>
+            </a:r>
+            <a:r>
+              <a:rPr lang="en-US" altLang="ko-KR" smtClean="0">
+                <a:solidFill>
+                  <a:schemeClr val="accent2"/>
+                </a:solidFill>
+              </a:rPr>
+              <a:t>.</a:t>
+            </a:r>
+          </a:p>
+          <a:p>
             <a:endParaRPr lang="en-US" altLang="ko-KR" smtClean="0">
               <a:solidFill>
                 <a:schemeClr val="accent1"/>
@@ -20487,36 +20081,108 @@
           </a:p>
           <a:p>
             <a:r>
-              <a:rPr lang="ko-KR" altLang="en-US" smtClean="0">
-                <a:solidFill>
-                  <a:schemeClr val="accent2"/>
-                </a:solidFill>
-              </a:rPr>
-              <a:t>밑의 </a:t>
-            </a:r>
-            <a:r>
-              <a:rPr lang="en-US" altLang="ko-KR" smtClean="0">
-                <a:solidFill>
-                  <a:schemeClr val="accent2"/>
-                </a:solidFill>
-              </a:rPr>
-              <a:t>(1) ~(3)</a:t>
-            </a:r>
-            <a:r>
-              <a:rPr lang="ko-KR" altLang="en-US" smtClean="0">
-                <a:solidFill>
-                  <a:schemeClr val="accent2"/>
-                </a:solidFill>
-              </a:rPr>
-              <a:t>의 전역 변수는 코드 작성에 실제로 쓰이는 변수이고 핵심이다</a:t>
-            </a:r>
-            <a:r>
-              <a:rPr lang="en-US" altLang="ko-KR" smtClean="0">
-                <a:solidFill>
-                  <a:schemeClr val="accent2"/>
-                </a:solidFill>
-              </a:rPr>
-              <a:t>.</a:t>
+              <a:rPr lang="en-US" altLang="ko-KR" smtClean="0">
+                <a:solidFill>
+                  <a:schemeClr val="accent4"/>
+                </a:solidFill>
+              </a:rPr>
+              <a:t>(1) CurNodes : </a:t>
+            </a:r>
+            <a:r>
+              <a:rPr lang="ko-KR" altLang="en-US" smtClean="0">
+                <a:solidFill>
+                  <a:schemeClr val="accent1"/>
+                </a:solidFill>
+              </a:rPr>
+              <a:t>현재 모든 노드들의 기본적인 정보가 다 들어가 있다</a:t>
+            </a:r>
+            <a:r>
+              <a:rPr lang="en-US" altLang="ko-KR" smtClean="0">
+                <a:solidFill>
+                  <a:schemeClr val="accent1"/>
+                </a:solidFill>
+              </a:rPr>
+              <a:t>. </a:t>
+            </a:r>
+            <a:r>
+              <a:rPr lang="ko-KR" altLang="en-US" smtClean="0">
+                <a:solidFill>
+                  <a:schemeClr val="accent1"/>
+                </a:solidFill>
+              </a:rPr>
+              <a:t>또한 현재 몇 개의 노드가 있는지도 있다</a:t>
+            </a:r>
+            <a:r>
+              <a:rPr lang="en-US" altLang="ko-KR" smtClean="0">
+                <a:solidFill>
+                  <a:schemeClr val="accent1"/>
+                </a:solidFill>
+              </a:rPr>
+              <a:t>.(</a:t>
+            </a:r>
+            <a:r>
+              <a:rPr lang="ko-KR" altLang="en-US" smtClean="0">
+                <a:solidFill>
+                  <a:schemeClr val="accent1"/>
+                </a:solidFill>
+              </a:rPr>
+              <a:t>간단히 어떤 노드들이 있다</a:t>
+            </a:r>
+            <a:r>
+              <a:rPr lang="en-US" altLang="ko-KR" smtClean="0">
+                <a:solidFill>
+                  <a:schemeClr val="accent1"/>
+                </a:solidFill>
+              </a:rPr>
+              <a:t>! </a:t>
+            </a:r>
+            <a:r>
+              <a:rPr lang="ko-KR" altLang="en-US" smtClean="0">
+                <a:solidFill>
+                  <a:schemeClr val="accent1"/>
+                </a:solidFill>
+              </a:rPr>
+              <a:t>이 정도만 파악하는 데 사용하고 실제로 </a:t>
+            </a:r>
+            <a:r>
+              <a:rPr lang="en-US" altLang="ko-KR" smtClean="0">
+                <a:solidFill>
+                  <a:schemeClr val="accent4"/>
+                </a:solidFill>
+              </a:rPr>
+              <a:t>(3)</a:t>
+            </a:r>
+            <a:r>
+              <a:rPr lang="ko-KR" altLang="en-US" smtClean="0">
+                <a:solidFill>
+                  <a:schemeClr val="accent1"/>
+                </a:solidFill>
+              </a:rPr>
+              <a:t>에서 설명할 모든 데이터가 있는 </a:t>
+            </a:r>
+            <a:r>
+              <a:rPr lang="en-US" altLang="ko-KR" smtClean="0">
+                <a:solidFill>
+                  <a:schemeClr val="accent1"/>
+                </a:solidFill>
+              </a:rPr>
+              <a:t>CHORD[]</a:t>
+            </a:r>
+            <a:r>
+              <a:rPr lang="ko-KR" altLang="en-US" smtClean="0">
+                <a:solidFill>
+                  <a:schemeClr val="accent1"/>
+                </a:solidFill>
+              </a:rPr>
+              <a:t>까지 써야 모든 정보를 알 수 있다</a:t>
+            </a:r>
+            <a:r>
+              <a:rPr lang="en-US" altLang="ko-KR" smtClean="0">
+                <a:solidFill>
+                  <a:schemeClr val="accent1"/>
+                </a:solidFill>
+              </a:rPr>
+              <a:t>.)</a:t>
             </a:r>
           </a:p>
           <a:p>
@@ -20533,15 +20199,15 @@
                   <a:schemeClr val="accent4"/>
                 </a:solidFill>
               </a:rPr>
-              <a:t>(1) CurNodes : </a:t>
-            </a:r>
-            <a:r>
-              <a:rPr lang="ko-KR" altLang="en-US" smtClean="0">
-                <a:solidFill>
-                  <a:schemeClr val="accent1"/>
-                </a:solidFill>
-              </a:rPr>
-              <a:t>현재 모든 노드들의 기본적인 정보가 다 들어가 있다</a:t>
+              <a:t>(2) CurFiles : </a:t>
+            </a:r>
+            <a:r>
+              <a:rPr lang="ko-KR" altLang="en-US" smtClean="0">
+                <a:solidFill>
+                  <a:schemeClr val="accent1"/>
+                </a:solidFill>
+              </a:rPr>
+              <a:t>현재의 모든 파일들의 기본적인 정보가 다 들어가 있다</a:t>
             </a:r>
             <a:r>
               <a:rPr lang="en-US" altLang="ko-KR" smtClean="0">
@@ -20557,79 +20223,15 @@
                   <a:schemeClr val="accent1"/>
                 </a:solidFill>
               </a:rPr>
-              <a:t>또한 현재 몇 개의 노드가 있는지도 있다</a:t>
-            </a:r>
-            <a:r>
-              <a:rPr lang="en-US" altLang="ko-KR" smtClean="0">
-                <a:solidFill>
-                  <a:schemeClr val="accent1"/>
-                </a:solidFill>
-              </a:rPr>
-              <a:t>.(</a:t>
-            </a:r>
-            <a:r>
-              <a:rPr lang="ko-KR" altLang="en-US" smtClean="0">
-                <a:solidFill>
-                  <a:schemeClr val="accent1"/>
-                </a:solidFill>
-              </a:rPr>
-              <a:t>간단히 어떤 노드들이 있다</a:t>
-            </a:r>
-            <a:r>
-              <a:rPr lang="en-US" altLang="ko-KR" smtClean="0">
-                <a:solidFill>
-                  <a:schemeClr val="accent1"/>
-                </a:solidFill>
-              </a:rPr>
-              <a:t>! </a:t>
-            </a:r>
-            <a:r>
-              <a:rPr lang="ko-KR" altLang="en-US" smtClean="0">
-                <a:solidFill>
-                  <a:schemeClr val="accent1"/>
-                </a:solidFill>
-              </a:rPr>
-              <a:t>이 정도만 파악하는 데 사용하고 실제로 </a:t>
-            </a:r>
-            <a:r>
-              <a:rPr lang="en-US" altLang="ko-KR" smtClean="0">
-                <a:solidFill>
-                  <a:schemeClr val="accent4"/>
-                </a:solidFill>
-              </a:rPr>
-              <a:t>(3)</a:t>
-            </a:r>
-            <a:r>
-              <a:rPr lang="ko-KR" altLang="en-US" smtClean="0">
-                <a:solidFill>
-                  <a:schemeClr val="accent1"/>
-                </a:solidFill>
-              </a:rPr>
-              <a:t>에서 설명할 모든 데이터가 있는 </a:t>
-            </a:r>
-            <a:r>
-              <a:rPr lang="en-US" altLang="ko-KR" smtClean="0">
-                <a:solidFill>
-                  <a:schemeClr val="accent1"/>
-                </a:solidFill>
-              </a:rPr>
-              <a:t>CHORD[]</a:t>
-            </a:r>
-            <a:r>
-              <a:rPr lang="ko-KR" altLang="en-US" smtClean="0">
-                <a:solidFill>
-                  <a:schemeClr val="accent1"/>
-                </a:solidFill>
-              </a:rPr>
-              <a:t>까지 써야 모든 정보를 알 수 있다</a:t>
-            </a:r>
-            <a:r>
-              <a:rPr lang="en-US" altLang="ko-KR" smtClean="0">
-                <a:solidFill>
-                  <a:schemeClr val="accent1"/>
-                </a:solidFill>
-              </a:rPr>
-              <a:t>.)</a:t>
+              <a:t>또한 현재 몇 개의 파일이 있는지도 있다</a:t>
+            </a:r>
+            <a:r>
+              <a:rPr lang="en-US" altLang="ko-KR" smtClean="0">
+                <a:solidFill>
+                  <a:schemeClr val="accent1"/>
+                </a:solidFill>
+              </a:rPr>
+              <a:t>.</a:t>
             </a:r>
           </a:p>
           <a:p>
@@ -20646,15 +20248,111 @@
                   <a:schemeClr val="accent4"/>
                 </a:solidFill>
               </a:rPr>
-              <a:t>(2) CurFiles : </a:t>
-            </a:r>
-            <a:r>
-              <a:rPr lang="ko-KR" altLang="en-US" smtClean="0">
-                <a:solidFill>
-                  <a:schemeClr val="accent1"/>
-                </a:solidFill>
-              </a:rPr>
-              <a:t>현재의 모든 파일들의 기본적인 정보가 다 들어가 있다</a:t>
+              <a:t>(3) CHORD[] : </a:t>
+            </a:r>
+            <a:r>
+              <a:rPr lang="ko-KR" altLang="en-US" smtClean="0">
+                <a:solidFill>
+                  <a:schemeClr val="accent1"/>
+                </a:solidFill>
+              </a:rPr>
+              <a:t>이 배열은 </a:t>
+            </a:r>
+            <a:r>
+              <a:rPr lang="en-US" altLang="ko-KR" smtClean="0">
+                <a:solidFill>
+                  <a:schemeClr val="accent1"/>
+                </a:solidFill>
+              </a:rPr>
+              <a:t>DataBase</a:t>
+            </a:r>
+            <a:r>
+              <a:rPr lang="ko-KR" altLang="en-US" smtClean="0">
+                <a:solidFill>
+                  <a:schemeClr val="accent1"/>
+                </a:solidFill>
+              </a:rPr>
+              <a:t>라고 봐도 좋다</a:t>
+            </a:r>
+            <a:r>
+              <a:rPr lang="en-US" altLang="ko-KR" smtClean="0">
+                <a:solidFill>
+                  <a:schemeClr val="accent1"/>
+                </a:solidFill>
+              </a:rPr>
+              <a:t>. CHORD</a:t>
+            </a:r>
+            <a:r>
+              <a:rPr lang="ko-KR" altLang="en-US" smtClean="0">
+                <a:solidFill>
+                  <a:schemeClr val="accent1"/>
+                </a:solidFill>
+              </a:rPr>
+              <a:t> 하나 자체는 나 자신이 누구인지</a:t>
+            </a:r>
+            <a:r>
+              <a:rPr lang="en-US" altLang="ko-KR" smtClean="0">
+                <a:solidFill>
+                  <a:schemeClr val="accent1"/>
+                </a:solidFill>
+              </a:rPr>
+              <a:t>(Self) , </a:t>
+            </a:r>
+            <a:r>
+              <a:rPr lang="ko-KR" altLang="en-US" smtClean="0">
+                <a:solidFill>
+                  <a:schemeClr val="accent1"/>
+                </a:solidFill>
+              </a:rPr>
+              <a:t>나는</a:t>
+            </a:r>
+            <a:r>
+              <a:rPr lang="en-US" altLang="ko-KR" smtClean="0">
+                <a:solidFill>
+                  <a:schemeClr val="accent1"/>
+                </a:solidFill>
+              </a:rPr>
+              <a:t> </a:t>
+            </a:r>
+            <a:r>
+              <a:rPr lang="ko-KR" altLang="en-US" smtClean="0">
+                <a:solidFill>
+                  <a:schemeClr val="accent1"/>
+                </a:solidFill>
+              </a:rPr>
+              <a:t>어떤 파일들을 가지고 있으며</a:t>
+            </a:r>
+            <a:r>
+              <a:rPr lang="en-US" altLang="ko-KR" smtClean="0">
+                <a:solidFill>
+                  <a:schemeClr val="accent1"/>
+                </a:solidFill>
+              </a:rPr>
+              <a:t>(ownFile), </a:t>
+            </a:r>
+            <a:r>
+              <a:rPr lang="ko-KR" altLang="en-US" smtClean="0">
+                <a:solidFill>
+                  <a:schemeClr val="accent1"/>
+                </a:solidFill>
+              </a:rPr>
+              <a:t>어떤 파일의 레퍼런스를 가지고 있는가</a:t>
+            </a:r>
+            <a:r>
+              <a:rPr lang="en-US" altLang="ko-KR" smtClean="0">
+                <a:solidFill>
+                  <a:schemeClr val="accent1"/>
+                </a:solidFill>
+              </a:rPr>
+              <a:t>?(ownFRef)</a:t>
+            </a:r>
+            <a:r>
+              <a:rPr lang="ko-KR" altLang="en-US" smtClean="0">
+                <a:solidFill>
+                  <a:schemeClr val="accent1"/>
+                </a:solidFill>
+              </a:rPr>
+              <a:t>에 대한 정보 전체를 저장하고 있다</a:t>
             </a:r>
             <a:r>
               <a:rPr lang="en-US" altLang="ko-KR" smtClean="0">
@@ -20670,7 +20368,7 @@
                   <a:schemeClr val="accent1"/>
                 </a:solidFill>
               </a:rPr>
-              <a:t>또한 현재 몇 개의 파일이 있는지도 있다</a:t>
+              <a:t>또 핑거 테이블도 가지고 있다</a:t>
             </a:r>
             <a:r>
               <a:rPr lang="en-US" altLang="ko-KR" smtClean="0">
@@ -20682,55 +20380,8 @@
             </a:r>
           </a:p>
           <a:p>
-            <a:endParaRPr lang="en-US" altLang="ko-KR" smtClean="0">
-              <a:solidFill>
-                <a:schemeClr val="accent1"/>
-              </a:solidFill>
-            </a:endParaRPr>
-          </a:p>
-          <a:p>
-            <a:r>
-              <a:rPr lang="en-US" altLang="ko-KR" smtClean="0">
-                <a:solidFill>
-                  <a:schemeClr val="accent4"/>
-                </a:solidFill>
-              </a:rPr>
-              <a:t>(3) CHORD[] : </a:t>
-            </a:r>
-            <a:r>
-              <a:rPr lang="ko-KR" altLang="en-US" smtClean="0">
-                <a:solidFill>
-                  <a:schemeClr val="accent1"/>
-                </a:solidFill>
-              </a:rPr>
-              <a:t>이 배열은 </a:t>
-            </a:r>
-            <a:r>
-              <a:rPr lang="en-US" altLang="ko-KR" smtClean="0">
-                <a:solidFill>
-                  <a:schemeClr val="accent1"/>
-                </a:solidFill>
-              </a:rPr>
-              <a:t>DataBase</a:t>
-            </a:r>
-            <a:r>
-              <a:rPr lang="ko-KR" altLang="en-US" smtClean="0">
-                <a:solidFill>
-                  <a:schemeClr val="accent1"/>
-                </a:solidFill>
-              </a:rPr>
-              <a:t>라고 봐도 좋다</a:t>
-            </a:r>
-            <a:r>
-              <a:rPr lang="en-US" altLang="ko-KR" smtClean="0">
-                <a:solidFill>
-                  <a:schemeClr val="accent1"/>
-                </a:solidFill>
-              </a:rPr>
-              <a:t>. CHORD</a:t>
-            </a:r>
-            <a:r>
-              <a:rPr lang="ko-KR" altLang="en-US" smtClean="0">
+            <a:r>
+              <a:rPr lang="en-US" altLang="ko-KR" smtClean="0">
                 <a:solidFill>
                   <a:schemeClr val="accent1"/>
                 </a:solidFill>
@@ -20743,112 +20394,6 @@
                   <a:schemeClr val="accent1"/>
                 </a:solidFill>
               </a:rPr>
-              <a:t>하나 자체는 나 자신이 누구인지</a:t>
-            </a:r>
-            <a:r>
-              <a:rPr lang="en-US" altLang="ko-KR" smtClean="0">
-                <a:solidFill>
-                  <a:schemeClr val="accent1"/>
-                </a:solidFill>
-              </a:rPr>
-              <a:t>(Self) , </a:t>
-            </a:r>
-            <a:r>
-              <a:rPr lang="ko-KR" altLang="en-US" smtClean="0">
-                <a:solidFill>
-                  <a:schemeClr val="accent1"/>
-                </a:solidFill>
-              </a:rPr>
-              <a:t>나는</a:t>
-            </a:r>
-            <a:r>
-              <a:rPr lang="en-US" altLang="ko-KR" smtClean="0">
-                <a:solidFill>
-                  <a:schemeClr val="accent1"/>
-                </a:solidFill>
-              </a:rPr>
-              <a:t> </a:t>
-            </a:r>
-            <a:r>
-              <a:rPr lang="ko-KR" altLang="en-US" smtClean="0">
-                <a:solidFill>
-                  <a:schemeClr val="accent1"/>
-                </a:solidFill>
-              </a:rPr>
-              <a:t>어떤 파일들을 가지고 있으며</a:t>
-            </a:r>
-            <a:r>
-              <a:rPr lang="en-US" altLang="ko-KR" smtClean="0">
-                <a:solidFill>
-                  <a:schemeClr val="accent1"/>
-                </a:solidFill>
-              </a:rPr>
-              <a:t>(ownFile), </a:t>
-            </a:r>
-            <a:r>
-              <a:rPr lang="ko-KR" altLang="en-US" smtClean="0">
-                <a:solidFill>
-                  <a:schemeClr val="accent1"/>
-                </a:solidFill>
-              </a:rPr>
-              <a:t>어떤 파일의 레퍼런스를 가지고 있는가</a:t>
-            </a:r>
-            <a:r>
-              <a:rPr lang="en-US" altLang="ko-KR" smtClean="0">
-                <a:solidFill>
-                  <a:schemeClr val="accent1"/>
-                </a:solidFill>
-              </a:rPr>
-              <a:t>?(ownFRef)</a:t>
-            </a:r>
-            <a:r>
-              <a:rPr lang="ko-KR" altLang="en-US" smtClean="0">
-                <a:solidFill>
-                  <a:schemeClr val="accent1"/>
-                </a:solidFill>
-              </a:rPr>
-              <a:t>에 대한 정보 전체를 저장하고 있다</a:t>
-            </a:r>
-            <a:r>
-              <a:rPr lang="en-US" altLang="ko-KR" smtClean="0">
-                <a:solidFill>
-                  <a:schemeClr val="accent1"/>
-                </a:solidFill>
-              </a:rPr>
-              <a:t>. </a:t>
-            </a:r>
-            <a:r>
-              <a:rPr lang="ko-KR" altLang="en-US" smtClean="0">
-                <a:solidFill>
-                  <a:schemeClr val="accent1"/>
-                </a:solidFill>
-              </a:rPr>
-              <a:t>또 핑거 테이블도 가지고 있다</a:t>
-            </a:r>
-            <a:r>
-              <a:rPr lang="en-US" altLang="ko-KR" smtClean="0">
-                <a:solidFill>
-                  <a:schemeClr val="accent1"/>
-                </a:solidFill>
-              </a:rPr>
-              <a:t>.</a:t>
-            </a:r>
-          </a:p>
-          <a:p>
-            <a:r>
-              <a:rPr lang="en-US" altLang="ko-KR" smtClean="0">
-                <a:solidFill>
-                  <a:schemeClr val="accent1"/>
-                </a:solidFill>
-              </a:rPr>
-              <a:t> </a:t>
-            </a:r>
-            <a:r>
-              <a:rPr lang="ko-KR" altLang="en-US" smtClean="0">
-                <a:solidFill>
-                  <a:schemeClr val="accent1"/>
-                </a:solidFill>
-              </a:rPr>
               <a:t>만약 </a:t>
             </a:r>
             <a:r>
@@ -20913,15 +20458,7 @@
                   <a:schemeClr val="accent1"/>
                 </a:solidFill>
               </a:rPr>
-              <a:t> </a:t>
-            </a:r>
-            <a:r>
-              <a:rPr lang="ko-KR" altLang="en-US" smtClean="0">
-                <a:solidFill>
-                  <a:schemeClr val="accent1"/>
-                </a:solidFill>
-              </a:rPr>
-              <a:t>인덱스에는 </a:t>
+              <a:t> 인덱스에는 </a:t>
             </a:r>
             <a:r>
               <a:rPr lang="en-US" altLang="ko-KR" smtClean="0">
@@ -21564,7 +21101,7 @@
     </p:spTree>
     <p:extLst>
       <p:ext uri="{BB962C8B-B14F-4D97-AF65-F5344CB8AC3E}">
-        <p14:creationId xmlns:p14="http://schemas.microsoft.com/office/powerpoint/2010/main" xmlns="" val="4147651606"/>
+        <p14:creationId xmlns="" xmlns:p14="http://schemas.microsoft.com/office/powerpoint/2010/main" val="4147651606"/>
       </p:ext>
     </p:extLst>
   </p:cSld>
@@ -21812,7 +21349,7 @@
   <a:extraClrSchemeLst/>
   <a:extLst>
     <a:ext uri="{05A4C25C-085E-4340-85A3-A5531E510DB2}">
-      <thm15:themeFamily xmlns:thm15="http://schemas.microsoft.com/office/thememl/2012/main" xmlns="" name="Basis" id="{5665723A-49BA-4B57-8411-A56F8F207965}" vid="{90E45F77-AEFC-46EF-A7C1-5B338C297B02}"/>
+      <thm15:themeFamily xmlns="" xmlns:thm15="http://schemas.microsoft.com/office/thememl/2012/main" name="Basis" id="{5665723A-49BA-4B57-8411-A56F8F207965}" vid="{90E45F77-AEFC-46EF-A7C1-5B338C297B02}"/>
     </a:ext>
   </a:extLst>
 </a:theme>
